--- a/articles/offcran/assets/graphics/demo_rvg.pptx
+++ b/articles/offcran/assets/graphics/demo_rvg.pptx
@@ -4825,7 +4825,7 @@
           </p:nvSpPr>
           <p:spPr>
             <a:xfrm>
-              <a:off x="8330104" y="4215790"/>
+              <a:off x="8330104" y="4238345"/>
               <a:ext cx="217517" cy="80272"/>
             </a:xfrm>
             <a:prstGeom prst="rect">
@@ -4871,7 +4871,7 @@
           </p:nvSpPr>
           <p:spPr>
             <a:xfrm>
-              <a:off x="8330104" y="3906038"/>
+              <a:off x="8330104" y="3913353"/>
               <a:ext cx="217517" cy="79781"/>
             </a:xfrm>
             <a:prstGeom prst="rect">
@@ -4917,7 +4917,7 @@
           </p:nvSpPr>
           <p:spPr>
             <a:xfrm>
-              <a:off x="8330104" y="3595031"/>
+              <a:off x="8330104" y="3587106"/>
               <a:ext cx="217517" cy="80545"/>
             </a:xfrm>
             <a:prstGeom prst="rect">
@@ -4963,7 +4963,7 @@
           </p:nvSpPr>
           <p:spPr>
             <a:xfrm>
-              <a:off x="8330104" y="3284952"/>
+              <a:off x="8330104" y="3261787"/>
               <a:ext cx="217517" cy="80382"/>
             </a:xfrm>
             <a:prstGeom prst="rect">
@@ -5055,7 +5055,7 @@
           </p:nvSpPr>
           <p:spPr>
             <a:xfrm>
-              <a:off x="8041059" y="4255981"/>
+              <a:off x="8041059" y="4278536"/>
               <a:ext cx="43891" cy="0"/>
             </a:xfrm>
             <a:custGeom>
@@ -5095,7 +5095,7 @@
           </p:nvSpPr>
           <p:spPr>
             <a:xfrm>
-              <a:off x="8041059" y="3945738"/>
+              <a:off x="8041059" y="3953053"/>
               <a:ext cx="43891" cy="0"/>
             </a:xfrm>
             <a:custGeom>
@@ -5135,7 +5135,7 @@
           </p:nvSpPr>
           <p:spPr>
             <a:xfrm>
-              <a:off x="8041059" y="3635495"/>
+              <a:off x="8041059" y="3627570"/>
               <a:ext cx="43891" cy="0"/>
             </a:xfrm>
             <a:custGeom>
@@ -5175,7 +5175,7 @@
           </p:nvSpPr>
           <p:spPr>
             <a:xfrm>
-              <a:off x="8041059" y="3325252"/>
+              <a:off x="8041059" y="3302087"/>
               <a:ext cx="43891" cy="0"/>
             </a:xfrm>
             <a:custGeom>
@@ -5215,7 +5215,7 @@
           </p:nvSpPr>
           <p:spPr>
             <a:xfrm>
-              <a:off x="8216624" y="4255981"/>
+              <a:off x="8216624" y="4278536"/>
               <a:ext cx="43891" cy="0"/>
             </a:xfrm>
             <a:custGeom>
@@ -5255,7 +5255,7 @@
           </p:nvSpPr>
           <p:spPr>
             <a:xfrm>
-              <a:off x="8216624" y="3945738"/>
+              <a:off x="8216624" y="3953053"/>
               <a:ext cx="43891" cy="0"/>
             </a:xfrm>
             <a:custGeom>
@@ -5295,7 +5295,7 @@
           </p:nvSpPr>
           <p:spPr>
             <a:xfrm>
-              <a:off x="8216624" y="3635495"/>
+              <a:off x="8216624" y="3627570"/>
               <a:ext cx="43891" cy="0"/>
             </a:xfrm>
             <a:custGeom>
@@ -5335,7 +5335,7 @@
           </p:nvSpPr>
           <p:spPr>
             <a:xfrm>
-              <a:off x="8216624" y="3325252"/>
+              <a:off x="8216624" y="3302087"/>
               <a:ext cx="43891" cy="0"/>
             </a:xfrm>
             <a:custGeom>
